--- a/00_DockerPythonGui_Syllabus.pptx
+++ b/00_DockerPythonGui_Syllabus.pptx
@@ -212,7 +212,7 @@
             <a:fld id="{6837EDA8-41C8-4B24-A206-13C08A65A6D7}" type="datetimeFigureOut">
               <a:rPr lang="zh-TW" altLang="en-US" smtClean="0"/>
               <a:pPr/>
-              <a:t>2021/12/16</a:t>
+              <a:t>2021/12/30</a:t>
             </a:fld>
             <a:endParaRPr lang="zh-TW" altLang="en-US"/>
           </a:p>
@@ -750,7 +750,7 @@
             <a:fld id="{8B85509C-BD4F-47BF-9B1E-FC2E949B3621}" type="datetime1">
               <a:rPr lang="zh-TW" altLang="en-US" smtClean="0"/>
               <a:pPr/>
-              <a:t>2021/12/16</a:t>
+              <a:t>2021/12/30</a:t>
             </a:fld>
             <a:endParaRPr lang="zh-TW" altLang="en-US"/>
           </a:p>
@@ -923,7 +923,7 @@
             <a:fld id="{42251B24-F787-4C15-8A0F-7AEC20C70069}" type="datetime1">
               <a:rPr lang="zh-TW" altLang="en-US" smtClean="0"/>
               <a:pPr/>
-              <a:t>2021/12/16</a:t>
+              <a:t>2021/12/30</a:t>
             </a:fld>
             <a:endParaRPr lang="zh-TW" altLang="en-US"/>
           </a:p>
@@ -1098,7 +1098,7 @@
             <a:fld id="{9CA0D33C-CE2B-45F1-B8D4-FFD1F131F331}" type="datetime1">
               <a:rPr lang="zh-TW" altLang="en-US" smtClean="0"/>
               <a:pPr/>
-              <a:t>2021/12/16</a:t>
+              <a:t>2021/12/30</a:t>
             </a:fld>
             <a:endParaRPr lang="zh-TW" altLang="en-US"/>
           </a:p>
@@ -1263,7 +1263,7 @@
             <a:fld id="{50B99440-D9EF-40CC-9B52-F6428D9B2C76}" type="datetime1">
               <a:rPr lang="zh-TW" altLang="en-US" smtClean="0"/>
               <a:pPr/>
-              <a:t>2021/12/16</a:t>
+              <a:t>2021/12/30</a:t>
             </a:fld>
             <a:endParaRPr lang="zh-TW" altLang="en-US"/>
           </a:p>
@@ -1505,7 +1505,7 @@
             <a:fld id="{0871BF52-5C6C-4959-8E27-CECB68D39FE4}" type="datetime1">
               <a:rPr lang="zh-TW" altLang="en-US" smtClean="0"/>
               <a:pPr/>
-              <a:t>2021/12/16</a:t>
+              <a:t>2021/12/30</a:t>
             </a:fld>
             <a:endParaRPr lang="zh-TW" altLang="en-US"/>
           </a:p>
@@ -1787,7 +1787,7 @@
             <a:fld id="{DF863F05-2DD9-4EB1-A827-12FD992DE9DC}" type="datetime1">
               <a:rPr lang="zh-TW" altLang="en-US" smtClean="0"/>
               <a:pPr/>
-              <a:t>2021/12/16</a:t>
+              <a:t>2021/12/30</a:t>
             </a:fld>
             <a:endParaRPr lang="zh-TW" altLang="en-US"/>
           </a:p>
@@ -2203,7 +2203,7 @@
             <a:fld id="{6339AF51-4491-4873-A096-75DB6CE47516}" type="datetime1">
               <a:rPr lang="zh-TW" altLang="en-US" smtClean="0"/>
               <a:pPr/>
-              <a:t>2021/12/16</a:t>
+              <a:t>2021/12/30</a:t>
             </a:fld>
             <a:endParaRPr lang="zh-TW" altLang="en-US"/>
           </a:p>
@@ -2317,7 +2317,7 @@
             <a:fld id="{EE4AD9C8-8B9E-40FF-ABE2-858AC2057BBB}" type="datetime1">
               <a:rPr lang="zh-TW" altLang="en-US" smtClean="0"/>
               <a:pPr/>
-              <a:t>2021/12/16</a:t>
+              <a:t>2021/12/30</a:t>
             </a:fld>
             <a:endParaRPr lang="zh-TW" altLang="en-US"/>
           </a:p>
@@ -2409,7 +2409,7 @@
             <a:fld id="{B4784999-BBBE-4BE4-A8D0-877E7D1D66CC}" type="datetime1">
               <a:rPr lang="zh-TW" altLang="en-US" smtClean="0"/>
               <a:pPr/>
-              <a:t>2021/12/16</a:t>
+              <a:t>2021/12/30</a:t>
             </a:fld>
             <a:endParaRPr lang="zh-TW" altLang="en-US"/>
           </a:p>
@@ -2681,7 +2681,7 @@
             <a:fld id="{E88D17E6-02BD-4944-B9FE-7BFCCBF83D48}" type="datetime1">
               <a:rPr lang="zh-TW" altLang="en-US" smtClean="0"/>
               <a:pPr/>
-              <a:t>2021/12/16</a:t>
+              <a:t>2021/12/30</a:t>
             </a:fld>
             <a:endParaRPr lang="zh-TW" altLang="en-US"/>
           </a:p>
@@ -2930,7 +2930,7 @@
             <a:fld id="{3C13E23D-1FEF-4D78-A3A3-3D6F2BB31954}" type="datetime1">
               <a:rPr lang="zh-TW" altLang="en-US" smtClean="0"/>
               <a:pPr/>
-              <a:t>2021/12/16</a:t>
+              <a:t>2021/12/30</a:t>
             </a:fld>
             <a:endParaRPr lang="zh-TW" altLang="en-US"/>
           </a:p>
@@ -3138,7 +3138,7 @@
             <a:fld id="{06197F35-AD6F-4594-8B50-334492D2E7E8}" type="datetime1">
               <a:rPr lang="zh-TW" altLang="en-US" smtClean="0"/>
               <a:pPr/>
-              <a:t>2021/12/16</a:t>
+              <a:t>2021/12/30</a:t>
             </a:fld>
             <a:endParaRPr lang="zh-TW" altLang="en-US"/>
           </a:p>
@@ -3600,7 +3600,7 @@
             <a:fld id="{C389EDC9-19E3-47AC-9C57-C6A24DEA81AD}" type="datetime1">
               <a:rPr lang="zh-TW" altLang="en-US" smtClean="0"/>
               <a:pPr/>
-              <a:t>2021/12/16</a:t>
+              <a:t>2021/12/30</a:t>
             </a:fld>
             <a:endParaRPr lang="zh-TW" altLang="en-US"/>
           </a:p>
@@ -3780,7 +3780,7 @@
         <p:spPr>
           <a:xfrm>
             <a:off x="457200" y="1152181"/>
-            <a:ext cx="8352928" cy="3356939"/>
+            <a:ext cx="8352928" cy="4946200"/>
           </a:xfrm>
           <a:ln>
             <a:solidFill>
@@ -3877,7 +3877,7 @@
                   <a:srgbClr val="3C3B37"/>
                 </a:solidFill>
               </a:rPr>
-              <a:t>Sec 2: Command, Image, Container</a:t>
+              <a:t>Sec 2: Docker Command</a:t>
             </a:r>
           </a:p>
           <a:p>
@@ -3894,7 +3894,7 @@
                   <a:srgbClr val="3C3B37"/>
                 </a:solidFill>
               </a:rPr>
-              <a:t>Sec 3: Jenkins, Dockerfile, Composer</a:t>
+              <a:t>Sec 3: Docker Image and Container</a:t>
             </a:r>
           </a:p>
           <a:p>
@@ -3911,7 +3911,7 @@
                   <a:srgbClr val="3C3B37"/>
                 </a:solidFill>
               </a:rPr>
-              <a:t>Sec 4: Docker Volume, Swarm</a:t>
+              <a:t>Sec 4: Docker Jenkins and Dockerfile</a:t>
             </a:r>
           </a:p>
           <a:p>
@@ -3928,7 +3928,7 @@
                   <a:srgbClr val="3C3B37"/>
                 </a:solidFill>
               </a:rPr>
-              <a:t>Sec 5: Dockerize Python API (Part1, Part 2)</a:t>
+              <a:t>Sec 5: Dockerized API and Composer</a:t>
             </a:r>
           </a:p>
           <a:p>
@@ -3945,7 +3945,92 @@
                   <a:srgbClr val="3C3B37"/>
                 </a:solidFill>
               </a:rPr>
-              <a:t>Sec 6: Kubernetes</a:t>
+              <a:t>Sec 6: Docker Volume and Python API</a:t>
+            </a:r>
+          </a:p>
+          <a:p>
+            <a:pPr marL="922338" lvl="1" indent="-465138" algn="l">
+              <a:buClr>
+                <a:srgbClr val="0070C0"/>
+              </a:buClr>
+              <a:buFont typeface="Wingdings" pitchFamily="2" charset="2"/>
+              <a:buChar char="u"/>
+            </a:pPr>
+            <a:r>
+              <a:rPr lang="en-US" sz="1800" b="1" dirty="0">
+                <a:solidFill>
+                  <a:srgbClr val="3C3B37"/>
+                </a:solidFill>
+              </a:rPr>
+              <a:t>Sec 7: Docker Swarm</a:t>
+            </a:r>
+          </a:p>
+          <a:p>
+            <a:pPr marL="922338" lvl="1" indent="-465138" algn="l">
+              <a:buClr>
+                <a:srgbClr val="0070C0"/>
+              </a:buClr>
+              <a:buFont typeface="Wingdings" pitchFamily="2" charset="2"/>
+              <a:buChar char="u"/>
+            </a:pPr>
+            <a:r>
+              <a:rPr lang="en-US" sz="1800" b="1" dirty="0">
+                <a:solidFill>
+                  <a:srgbClr val="3C3B37"/>
+                </a:solidFill>
+              </a:rPr>
+              <a:t>Sec 8: Docker Container Communication</a:t>
+            </a:r>
+          </a:p>
+          <a:p>
+            <a:pPr marL="922338" lvl="1" indent="-465138" algn="l">
+              <a:buClr>
+                <a:srgbClr val="0070C0"/>
+              </a:buClr>
+              <a:buFont typeface="Wingdings" pitchFamily="2" charset="2"/>
+              <a:buChar char="u"/>
+            </a:pPr>
+            <a:r>
+              <a:rPr lang="en-US" sz="1800" b="1" dirty="0">
+                <a:solidFill>
+                  <a:srgbClr val="3C3B37"/>
+                </a:solidFill>
+              </a:rPr>
+              <a:t>Sec 9: Docker Network</a:t>
+            </a:r>
+          </a:p>
+          <a:p>
+            <a:pPr marL="922338" lvl="1" indent="-465138" algn="l">
+              <a:buClr>
+                <a:srgbClr val="0070C0"/>
+              </a:buClr>
+              <a:buFont typeface="Wingdings" pitchFamily="2" charset="2"/>
+              <a:buChar char="u"/>
+            </a:pPr>
+            <a:r>
+              <a:rPr lang="en-US" sz="1800" b="1" dirty="0">
+                <a:solidFill>
+                  <a:srgbClr val="3C3B37"/>
+                </a:solidFill>
+              </a:rPr>
+              <a:t>Sec 10: Kubernetes</a:t>
+            </a:r>
+          </a:p>
+          <a:p>
+            <a:pPr marL="922338" lvl="1" indent="-465138" algn="l">
+              <a:buClr>
+                <a:srgbClr val="0070C0"/>
+              </a:buClr>
+              <a:buFont typeface="Wingdings" pitchFamily="2" charset="2"/>
+              <a:buChar char="u"/>
+            </a:pPr>
+            <a:r>
+              <a:rPr lang="en-US" sz="1800" b="1" dirty="0">
+                <a:solidFill>
+                  <a:srgbClr val="3C3B37"/>
+                </a:solidFill>
+              </a:rPr>
+              <a:t>Sec 11: Prometheus</a:t>
             </a:r>
           </a:p>
         </p:txBody>
@@ -4041,7 +4126,7 @@
             <a:fld id="{A4F910E6-8D00-4BAF-8C48-9688E0B449D3}" type="datetime1">
               <a:rPr lang="zh-TW" altLang="en-US" smtClean="0"/>
               <a:pPr/>
-              <a:t>2021/12/16</a:t>
+              <a:t>2021/12/30</a:t>
             </a:fld>
             <a:endParaRPr lang="zh-TW" altLang="en-US"/>
           </a:p>
@@ -4184,7 +4269,7 @@
         <p:spPr>
           <a:xfrm>
             <a:off x="457200" y="1152181"/>
-            <a:ext cx="8352928" cy="4005011"/>
+            <a:ext cx="8352928" cy="1988787"/>
           </a:xfrm>
           <a:ln>
             <a:solidFill>
@@ -4229,7 +4314,7 @@
                   <a:srgbClr val="3C3B37"/>
                 </a:solidFill>
               </a:rPr>
-              <a:t>Part 2: Python Programming</a:t>
+              <a:t>Part 2: GUI</a:t>
             </a:r>
           </a:p>
           <a:p>
@@ -4246,7 +4331,7 @@
                   <a:srgbClr val="3C3B37"/>
                 </a:solidFill>
               </a:rPr>
-              <a:t>Sec 7: Setup, Basic, Tuple, List</a:t>
+              <a:t>Sec 12: Hello, Grid, Entry, Calculator</a:t>
             </a:r>
           </a:p>
           <a:p>
@@ -4263,7 +4348,7 @@
                   <a:srgbClr val="3C3B37"/>
                 </a:solidFill>
               </a:rPr>
-              <a:t>Sec 8: Data Structure</a:t>
+              <a:t>Sec 13: Icon, Image View, Status Bar</a:t>
             </a:r>
           </a:p>
           <a:p>
@@ -4280,7 +4365,7 @@
                   <a:srgbClr val="3C3B37"/>
                 </a:solidFill>
               </a:rPr>
-              <a:t>Sec 9: File IO</a:t>
+              <a:t>Sec 14: Frame, Button, Radio, Text Box, Window, Open File Dialog</a:t>
             </a:r>
           </a:p>
           <a:p>
@@ -4297,109 +4382,7 @@
                   <a:srgbClr val="3C3B37"/>
                 </a:solidFill>
               </a:rPr>
-              <a:t>Sec 10: OOP</a:t>
-            </a:r>
-          </a:p>
-          <a:p>
-            <a:pPr marL="465138" indent="-465138" algn="l">
-              <a:buClr>
-                <a:srgbClr val="0070C0"/>
-              </a:buClr>
-              <a:buFont typeface="Wingdings" pitchFamily="2" charset="2"/>
-              <a:buChar char="u"/>
-            </a:pPr>
-            <a:r>
-              <a:rPr lang="en-US" sz="1800" b="1" dirty="0">
-                <a:solidFill>
-                  <a:srgbClr val="3C3B37"/>
-                </a:solidFill>
-              </a:rPr>
-              <a:t>Part 3: GUI</a:t>
-            </a:r>
-          </a:p>
-          <a:p>
-            <a:pPr marL="922338" lvl="1" indent="-465138" algn="l">
-              <a:buClr>
-                <a:srgbClr val="0070C0"/>
-              </a:buClr>
-              <a:buFont typeface="Wingdings" pitchFamily="2" charset="2"/>
-              <a:buChar char="u"/>
-            </a:pPr>
-            <a:r>
-              <a:rPr lang="en-US" sz="1800" b="1" dirty="0">
-                <a:solidFill>
-                  <a:srgbClr val="3C3B37"/>
-                </a:solidFill>
-              </a:rPr>
-              <a:t>Sec 11: Hello, Grid, Entry, Calculator</a:t>
-            </a:r>
-          </a:p>
-          <a:p>
-            <a:pPr marL="922338" lvl="1" indent="-465138" algn="l">
-              <a:buClr>
-                <a:srgbClr val="0070C0"/>
-              </a:buClr>
-              <a:buFont typeface="Wingdings" pitchFamily="2" charset="2"/>
-              <a:buChar char="u"/>
-            </a:pPr>
-            <a:r>
-              <a:rPr lang="en-US" sz="1800" b="1" dirty="0">
-                <a:solidFill>
-                  <a:srgbClr val="3C3B37"/>
-                </a:solidFill>
-              </a:rPr>
-              <a:t>Sec 12: Icon, Image View, Status Bar</a:t>
-            </a:r>
-          </a:p>
-          <a:p>
-            <a:pPr marL="922338" lvl="1" indent="-465138" algn="l">
-              <a:buClr>
-                <a:srgbClr val="0070C0"/>
-              </a:buClr>
-              <a:buFont typeface="Wingdings" pitchFamily="2" charset="2"/>
-              <a:buChar char="u"/>
-            </a:pPr>
-            <a:r>
-              <a:rPr lang="en-US" sz="1800" b="1" dirty="0">
-                <a:solidFill>
-                  <a:srgbClr val="3C3B37"/>
-                </a:solidFill>
-              </a:rPr>
-              <a:t>Sec 13: Frame, Button, Radio, Text Box, Window, Open File Dialog</a:t>
-            </a:r>
-          </a:p>
-          <a:p>
-            <a:pPr marL="922338" lvl="1" indent="-465138" algn="l">
-              <a:buClr>
-                <a:srgbClr val="0070C0"/>
-              </a:buClr>
-              <a:buFont typeface="Wingdings" pitchFamily="2" charset="2"/>
-              <a:buChar char="u"/>
-            </a:pPr>
-            <a:r>
-              <a:rPr lang="en-US" sz="1800" b="1" dirty="0">
-                <a:solidFill>
-                  <a:srgbClr val="3C3B37"/>
-                </a:solidFill>
-              </a:rPr>
-              <a:t>Sec 14: Matplotlib plot </a:t>
-            </a:r>
-          </a:p>
-          <a:p>
-            <a:pPr marL="922338" lvl="1" indent="-465138" algn="l">
-              <a:buClr>
-                <a:srgbClr val="0070C0"/>
-              </a:buClr>
-              <a:buFont typeface="Wingdings" pitchFamily="2" charset="2"/>
-              <a:buChar char="u"/>
-            </a:pPr>
-            <a:r>
-              <a:rPr lang="en-US" sz="1800" b="1" dirty="0">
-                <a:solidFill>
-                  <a:srgbClr val="3C3B37"/>
-                </a:solidFill>
-              </a:rPr>
-              <a:t>Sec 15: Seaborn: Scatter Plot, Heatmap, histogram</a:t>
+              <a:t>Sec 15: Matplotlib plot and Seaborn</a:t>
             </a:r>
           </a:p>
         </p:txBody>
@@ -4495,7 +4478,7 @@
             <a:fld id="{A4F910E6-8D00-4BAF-8C48-9688E0B449D3}" type="datetime1">
               <a:rPr lang="zh-TW" altLang="en-US" smtClean="0"/>
               <a:pPr/>
-              <a:t>2021/12/16</a:t>
+              <a:t>2021/12/30</a:t>
             </a:fld>
             <a:endParaRPr lang="zh-TW" altLang="en-US"/>
           </a:p>
@@ -4642,7 +4625,7 @@
             <a:fld id="{4E46BE27-E923-4EC2-B046-3272AE2A3E5C}" type="datetime1">
               <a:rPr lang="zh-TW" altLang="en-US" smtClean="0"/>
               <a:pPr/>
-              <a:t>2021/12/16</a:t>
+              <a:t>2021/12/30</a:t>
             </a:fld>
             <a:endParaRPr lang="zh-TW" altLang="en-US"/>
           </a:p>
